--- a/directions.pptx
+++ b/directions.pptx
@@ -260,7 +260,7 @@
           <a:p>
             <a:fld id="{CDF6C853-F38E-4299-906A-F30AE4A58074}" type="datetimeFigureOut">
               <a:rPr lang="zh-CN" altLang="en-US" smtClean="0"/>
-              <a:t>2022/3/26</a:t>
+              <a:t>2022/7/10</a:t>
             </a:fld>
             <a:endParaRPr lang="zh-CN" altLang="en-US"/>
           </a:p>
@@ -458,7 +458,7 @@
           <a:p>
             <a:fld id="{CDF6C853-F38E-4299-906A-F30AE4A58074}" type="datetimeFigureOut">
               <a:rPr lang="zh-CN" altLang="en-US" smtClean="0"/>
-              <a:t>2022/3/26</a:t>
+              <a:t>2022/7/10</a:t>
             </a:fld>
             <a:endParaRPr lang="zh-CN" altLang="en-US"/>
           </a:p>
@@ -666,7 +666,7 @@
           <a:p>
             <a:fld id="{CDF6C853-F38E-4299-906A-F30AE4A58074}" type="datetimeFigureOut">
               <a:rPr lang="zh-CN" altLang="en-US" smtClean="0"/>
-              <a:t>2022/3/26</a:t>
+              <a:t>2022/7/10</a:t>
             </a:fld>
             <a:endParaRPr lang="zh-CN" altLang="en-US"/>
           </a:p>
@@ -864,7 +864,7 @@
           <a:p>
             <a:fld id="{CDF6C853-F38E-4299-906A-F30AE4A58074}" type="datetimeFigureOut">
               <a:rPr lang="zh-CN" altLang="en-US" smtClean="0"/>
-              <a:t>2022/3/26</a:t>
+              <a:t>2022/7/10</a:t>
             </a:fld>
             <a:endParaRPr lang="zh-CN" altLang="en-US"/>
           </a:p>
@@ -1139,7 +1139,7 @@
           <a:p>
             <a:fld id="{CDF6C853-F38E-4299-906A-F30AE4A58074}" type="datetimeFigureOut">
               <a:rPr lang="zh-CN" altLang="en-US" smtClean="0"/>
-              <a:t>2022/3/26</a:t>
+              <a:t>2022/7/10</a:t>
             </a:fld>
             <a:endParaRPr lang="zh-CN" altLang="en-US"/>
           </a:p>
@@ -1404,7 +1404,7 @@
           <a:p>
             <a:fld id="{CDF6C853-F38E-4299-906A-F30AE4A58074}" type="datetimeFigureOut">
               <a:rPr lang="zh-CN" altLang="en-US" smtClean="0"/>
-              <a:t>2022/3/26</a:t>
+              <a:t>2022/7/10</a:t>
             </a:fld>
             <a:endParaRPr lang="zh-CN" altLang="en-US"/>
           </a:p>
@@ -1816,7 +1816,7 @@
           <a:p>
             <a:fld id="{CDF6C853-F38E-4299-906A-F30AE4A58074}" type="datetimeFigureOut">
               <a:rPr lang="zh-CN" altLang="en-US" smtClean="0"/>
-              <a:t>2022/3/26</a:t>
+              <a:t>2022/7/10</a:t>
             </a:fld>
             <a:endParaRPr lang="zh-CN" altLang="en-US"/>
           </a:p>
@@ -1957,7 +1957,7 @@
           <a:p>
             <a:fld id="{CDF6C853-F38E-4299-906A-F30AE4A58074}" type="datetimeFigureOut">
               <a:rPr lang="zh-CN" altLang="en-US" smtClean="0"/>
-              <a:t>2022/3/26</a:t>
+              <a:t>2022/7/10</a:t>
             </a:fld>
             <a:endParaRPr lang="zh-CN" altLang="en-US"/>
           </a:p>
@@ -2070,7 +2070,7 @@
           <a:p>
             <a:fld id="{CDF6C853-F38E-4299-906A-F30AE4A58074}" type="datetimeFigureOut">
               <a:rPr lang="zh-CN" altLang="en-US" smtClean="0"/>
-              <a:t>2022/3/26</a:t>
+              <a:t>2022/7/10</a:t>
             </a:fld>
             <a:endParaRPr lang="zh-CN" altLang="en-US"/>
           </a:p>
@@ -2381,7 +2381,7 @@
           <a:p>
             <a:fld id="{CDF6C853-F38E-4299-906A-F30AE4A58074}" type="datetimeFigureOut">
               <a:rPr lang="zh-CN" altLang="en-US" smtClean="0"/>
-              <a:t>2022/3/26</a:t>
+              <a:t>2022/7/10</a:t>
             </a:fld>
             <a:endParaRPr lang="zh-CN" altLang="en-US"/>
           </a:p>
@@ -2669,7 +2669,7 @@
           <a:p>
             <a:fld id="{CDF6C853-F38E-4299-906A-F30AE4A58074}" type="datetimeFigureOut">
               <a:rPr lang="zh-CN" altLang="en-US" smtClean="0"/>
-              <a:t>2022/3/26</a:t>
+              <a:t>2022/7/10</a:t>
             </a:fld>
             <a:endParaRPr lang="zh-CN" altLang="en-US"/>
           </a:p>
@@ -2910,7 +2910,7 @@
           <a:p>
             <a:fld id="{CDF6C853-F38E-4299-906A-F30AE4A58074}" type="datetimeFigureOut">
               <a:rPr lang="zh-CN" altLang="en-US" smtClean="0"/>
-              <a:t>2022/3/26</a:t>
+              <a:t>2022/7/10</a:t>
             </a:fld>
             <a:endParaRPr lang="zh-CN" altLang="en-US"/>
           </a:p>
@@ -11950,9 +11950,9 @@
           <p:nvPr/>
         </p:nvCxnSpPr>
         <p:spPr>
-          <a:xfrm flipH="1">
-            <a:off x="1656265" y="1638268"/>
-            <a:ext cx="371008" cy="276879"/>
+          <a:xfrm>
+            <a:off x="2027273" y="1638268"/>
+            <a:ext cx="5155" cy="379485"/>
           </a:xfrm>
           <a:prstGeom prst="straightConnector1">
             <a:avLst/>
@@ -16261,7 +16261,7 @@
         </p:nvSpPr>
         <p:spPr>
           <a:xfrm>
-            <a:off x="1785591" y="1712135"/>
+            <a:off x="1978236" y="1636704"/>
             <a:ext cx="279244" cy="307777"/>
           </a:xfrm>
           <a:prstGeom prst="rect">
@@ -19219,6 +19219,83 @@
           </a:fontRef>
         </p:style>
       </p:cxnSp>
+      <p:cxnSp>
+        <p:nvCxnSpPr>
+          <p:cNvPr id="206" name="直接箭头连接符 205">
+            <a:extLst>
+              <a:ext uri="{FF2B5EF4-FFF2-40B4-BE49-F238E27FC236}">
+                <a16:creationId xmlns:a16="http://schemas.microsoft.com/office/drawing/2014/main" id="{669847F9-9B84-4E0D-5633-381201B21CB6}"/>
+              </a:ext>
+            </a:extLst>
+          </p:cNvPr>
+          <p:cNvCxnSpPr>
+            <a:cxnSpLocks/>
+          </p:cNvCxnSpPr>
+          <p:nvPr/>
+        </p:nvCxnSpPr>
+        <p:spPr>
+          <a:xfrm flipH="1" flipV="1">
+            <a:off x="1644394" y="1860034"/>
+            <a:ext cx="310808" cy="230742"/>
+          </a:xfrm>
+          <a:prstGeom prst="straightConnector1">
+            <a:avLst/>
+          </a:prstGeom>
+          <a:ln>
+            <a:tailEnd type="triangle"/>
+          </a:ln>
+        </p:spPr>
+        <p:style>
+          <a:lnRef idx="1">
+            <a:schemeClr val="accent1"/>
+          </a:lnRef>
+          <a:fillRef idx="0">
+            <a:schemeClr val="accent1"/>
+          </a:fillRef>
+          <a:effectRef idx="0">
+            <a:schemeClr val="accent1"/>
+          </a:effectRef>
+          <a:fontRef idx="minor">
+            <a:schemeClr val="tx1"/>
+          </a:fontRef>
+        </p:style>
+      </p:cxnSp>
+      <p:sp>
+        <p:nvSpPr>
+          <p:cNvPr id="209" name="文本框 208">
+            <a:extLst>
+              <a:ext uri="{FF2B5EF4-FFF2-40B4-BE49-F238E27FC236}">
+                <a16:creationId xmlns:a16="http://schemas.microsoft.com/office/drawing/2014/main" id="{2967D162-5CE4-5770-99AC-9D9CD6BF361F}"/>
+              </a:ext>
+            </a:extLst>
+          </p:cNvPr>
+          <p:cNvSpPr txBox="1"/>
+          <p:nvPr/>
+        </p:nvSpPr>
+        <p:spPr>
+          <a:xfrm>
+            <a:off x="1666403" y="1967170"/>
+            <a:ext cx="279244" cy="307777"/>
+          </a:xfrm>
+          <a:prstGeom prst="rect">
+            <a:avLst/>
+          </a:prstGeom>
+          <a:noFill/>
+        </p:spPr>
+        <p:txBody>
+          <a:bodyPr wrap="none" rtlCol="0">
+            <a:spAutoFit/>
+          </a:bodyPr>
+          <a:lstStyle/>
+          <a:p>
+            <a:r>
+              <a:rPr lang="en-US" altLang="zh-CN" sz="1400" dirty="0"/>
+              <a:t>4</a:t>
+            </a:r>
+            <a:endParaRPr lang="zh-CN" altLang="en-US" sz="1400" dirty="0"/>
+          </a:p>
+        </p:txBody>
+      </p:sp>
     </p:spTree>
     <p:extLst>
       <p:ext uri="{BB962C8B-B14F-4D97-AF65-F5344CB8AC3E}">

--- a/directions.pptx
+++ b/directions.pptx
@@ -260,7 +260,7 @@
           <a:p>
             <a:fld id="{CDF6C853-F38E-4299-906A-F30AE4A58074}" type="datetimeFigureOut">
               <a:rPr lang="zh-CN" altLang="en-US" smtClean="0"/>
-              <a:t>2022/7/10</a:t>
+              <a:t>2022/7/14</a:t>
             </a:fld>
             <a:endParaRPr lang="zh-CN" altLang="en-US"/>
           </a:p>
@@ -458,7 +458,7 @@
           <a:p>
             <a:fld id="{CDF6C853-F38E-4299-906A-F30AE4A58074}" type="datetimeFigureOut">
               <a:rPr lang="zh-CN" altLang="en-US" smtClean="0"/>
-              <a:t>2022/7/10</a:t>
+              <a:t>2022/7/14</a:t>
             </a:fld>
             <a:endParaRPr lang="zh-CN" altLang="en-US"/>
           </a:p>
@@ -666,7 +666,7 @@
           <a:p>
             <a:fld id="{CDF6C853-F38E-4299-906A-F30AE4A58074}" type="datetimeFigureOut">
               <a:rPr lang="zh-CN" altLang="en-US" smtClean="0"/>
-              <a:t>2022/7/10</a:t>
+              <a:t>2022/7/14</a:t>
             </a:fld>
             <a:endParaRPr lang="zh-CN" altLang="en-US"/>
           </a:p>
@@ -864,7 +864,7 @@
           <a:p>
             <a:fld id="{CDF6C853-F38E-4299-906A-F30AE4A58074}" type="datetimeFigureOut">
               <a:rPr lang="zh-CN" altLang="en-US" smtClean="0"/>
-              <a:t>2022/7/10</a:t>
+              <a:t>2022/7/14</a:t>
             </a:fld>
             <a:endParaRPr lang="zh-CN" altLang="en-US"/>
           </a:p>
@@ -1139,7 +1139,7 @@
           <a:p>
             <a:fld id="{CDF6C853-F38E-4299-906A-F30AE4A58074}" type="datetimeFigureOut">
               <a:rPr lang="zh-CN" altLang="en-US" smtClean="0"/>
-              <a:t>2022/7/10</a:t>
+              <a:t>2022/7/14</a:t>
             </a:fld>
             <a:endParaRPr lang="zh-CN" altLang="en-US"/>
           </a:p>
@@ -1404,7 +1404,7 @@
           <a:p>
             <a:fld id="{CDF6C853-F38E-4299-906A-F30AE4A58074}" type="datetimeFigureOut">
               <a:rPr lang="zh-CN" altLang="en-US" smtClean="0"/>
-              <a:t>2022/7/10</a:t>
+              <a:t>2022/7/14</a:t>
             </a:fld>
             <a:endParaRPr lang="zh-CN" altLang="en-US"/>
           </a:p>
@@ -1816,7 +1816,7 @@
           <a:p>
             <a:fld id="{CDF6C853-F38E-4299-906A-F30AE4A58074}" type="datetimeFigureOut">
               <a:rPr lang="zh-CN" altLang="en-US" smtClean="0"/>
-              <a:t>2022/7/10</a:t>
+              <a:t>2022/7/14</a:t>
             </a:fld>
             <a:endParaRPr lang="zh-CN" altLang="en-US"/>
           </a:p>
@@ -1957,7 +1957,7 @@
           <a:p>
             <a:fld id="{CDF6C853-F38E-4299-906A-F30AE4A58074}" type="datetimeFigureOut">
               <a:rPr lang="zh-CN" altLang="en-US" smtClean="0"/>
-              <a:t>2022/7/10</a:t>
+              <a:t>2022/7/14</a:t>
             </a:fld>
             <a:endParaRPr lang="zh-CN" altLang="en-US"/>
           </a:p>
@@ -2070,7 +2070,7 @@
           <a:p>
             <a:fld id="{CDF6C853-F38E-4299-906A-F30AE4A58074}" type="datetimeFigureOut">
               <a:rPr lang="zh-CN" altLang="en-US" smtClean="0"/>
-              <a:t>2022/7/10</a:t>
+              <a:t>2022/7/14</a:t>
             </a:fld>
             <a:endParaRPr lang="zh-CN" altLang="en-US"/>
           </a:p>
@@ -2381,7 +2381,7 @@
           <a:p>
             <a:fld id="{CDF6C853-F38E-4299-906A-F30AE4A58074}" type="datetimeFigureOut">
               <a:rPr lang="zh-CN" altLang="en-US" smtClean="0"/>
-              <a:t>2022/7/10</a:t>
+              <a:t>2022/7/14</a:t>
             </a:fld>
             <a:endParaRPr lang="zh-CN" altLang="en-US"/>
           </a:p>
@@ -2669,7 +2669,7 @@
           <a:p>
             <a:fld id="{CDF6C853-F38E-4299-906A-F30AE4A58074}" type="datetimeFigureOut">
               <a:rPr lang="zh-CN" altLang="en-US" smtClean="0"/>
-              <a:t>2022/7/10</a:t>
+              <a:t>2022/7/14</a:t>
             </a:fld>
             <a:endParaRPr lang="zh-CN" altLang="en-US"/>
           </a:p>
@@ -2910,7 +2910,7 @@
           <a:p>
             <a:fld id="{CDF6C853-F38E-4299-906A-F30AE4A58074}" type="datetimeFigureOut">
               <a:rPr lang="zh-CN" altLang="en-US" smtClean="0"/>
-              <a:t>2022/7/10</a:t>
+              <a:t>2022/7/14</a:t>
             </a:fld>
             <a:endParaRPr lang="zh-CN" altLang="en-US"/>
           </a:p>
@@ -15101,7 +15101,7 @@
         </p:nvCxnSpPr>
         <p:spPr>
           <a:xfrm flipV="1">
-            <a:off x="3875276" y="1456887"/>
+            <a:off x="3881001" y="1027179"/>
             <a:ext cx="0" cy="457200"/>
           </a:xfrm>
           <a:prstGeom prst="straightConnector1">
@@ -16441,7 +16441,7 @@
         </p:nvSpPr>
         <p:spPr>
           <a:xfrm>
-            <a:off x="3685499" y="1649043"/>
+            <a:off x="3636196" y="1123288"/>
             <a:ext cx="279244" cy="307777"/>
           </a:xfrm>
           <a:prstGeom prst="rect">
